--- a/images/fcnn-acc-after.pptx
+++ b/images/fcnn-acc-after.pptx
@@ -588,12 +588,42 @@
         <c:scaling>
           <c:orientation val="minMax"/>
         </c:scaling>
-        <c:delete val="1"/>
+        <c:delete val="0"/>
         <c:axPos val="b"/>
         <c:numFmt formatCode="General" sourceLinked="1"/>
-        <c:majorTickMark val="none"/>
+        <c:majorTickMark val="out"/>
         <c:minorTickMark val="none"/>
         <c:tickLblPos val="nextTo"/>
+        <c:spPr>
+          <a:noFill/>
+          <a:ln w="9525" cap="flat" cmpd="sng" algn="ctr">
+            <a:solidFill>
+              <a:schemeClr val="tx1">
+                <a:lumMod val="15000"/>
+                <a:lumOff val="85000"/>
+              </a:schemeClr>
+            </a:solidFill>
+            <a:round/>
+          </a:ln>
+          <a:effectLst/>
+        </c:spPr>
+        <c:txPr>
+          <a:bodyPr rot="-60000000" spcFirstLastPara="1" vertOverflow="ellipsis" vert="horz" wrap="square" anchor="ctr" anchorCtr="1"/>
+          <a:lstStyle/>
+          <a:p>
+            <a:pPr>
+              <a:defRPr sz="1600" b="0" i="0" u="none" strike="noStrike" kern="1200" baseline="0">
+                <a:solidFill>
+                  <a:schemeClr val="tx1"/>
+                </a:solidFill>
+                <a:latin typeface="+mn-lt"/>
+                <a:ea typeface="+mn-ea"/>
+                <a:cs typeface="+mn-cs"/>
+              </a:defRPr>
+            </a:pPr>
+            <a:endParaRPr lang="th-TH"/>
+          </a:p>
+        </c:txPr>
         <c:crossAx val="308740975"/>
         <c:crosses val="autoZero"/>
         <c:auto val="1"/>
@@ -4577,7 +4607,7 @@
           <p:nvPr>
             <p:extLst>
               <p:ext uri="{D42A27DB-BD31-4B8C-83A1-F6EECF244321}">
-                <p14:modId xmlns:p14="http://schemas.microsoft.com/office/powerpoint/2010/main" val="3668340098"/>
+                <p14:modId xmlns:p14="http://schemas.microsoft.com/office/powerpoint/2010/main" val="1133320724"/>
               </p:ext>
             </p:extLst>
           </p:nvPr>
